--- a/1차 프로젝트 발표.pptx
+++ b/1차 프로젝트 발표.pptx
@@ -113,6 +113,11 @@
       </a:defRPr>
     </a:lvl9pPr>
   </p:defaultTextStyle>
+  <p:extLst>
+    <p:ext uri="{EFAFB233-063F-42B5-8137-9DF3F51BA10A}">
+      <p15:sldGuideLst xmlns:p15="http://schemas.microsoft.com/office/powerpoint/2012/main"/>
+    </p:ext>
+  </p:extLst>
 </p:presentation>
 </file>
 
@@ -198,7 +203,7 @@
           <a:p>
             <a:fld id="{CEA2C1D9-DDA7-42CB-9B39-BA533DC6D37A}" type="datetimeFigureOut">
               <a:rPr lang="ko-KR" altLang="en-US" smtClean="0"/>
-              <a:t>2023-10-15</a:t>
+              <a:t>2023-10-16</a:t>
             </a:fld>
             <a:endParaRPr lang="ko-KR" altLang="en-US"/>
           </a:p>
@@ -465,6 +470,686 @@
 </p:notesMaster>
 </file>
 
+<file path=ppt/notesSlides/notesSlide1.xml><?xml version="1.0" encoding="utf-8"?>
+<p:notes xmlns:a="http://schemas.openxmlformats.org/drawingml/2006/main" xmlns:r="http://schemas.openxmlformats.org/officeDocument/2006/relationships" xmlns:p="http://schemas.openxmlformats.org/presentationml/2006/main">
+  <p:cSld>
+    <p:spTree>
+      <p:nvGrpSpPr>
+        <p:cNvPr id="1" name=""/>
+        <p:cNvGrpSpPr/>
+        <p:nvPr/>
+      </p:nvGrpSpPr>
+      <p:grpSpPr>
+        <a:xfrm>
+          <a:off x="0" y="0"/>
+          <a:ext cx="0" cy="0"/>
+          <a:chOff x="0" y="0"/>
+          <a:chExt cx="0" cy="0"/>
+        </a:xfrm>
+      </p:grpSpPr>
+      <p:sp>
+        <p:nvSpPr>
+          <p:cNvPr id="2" name="슬라이드 이미지 개체 틀 1"/>
+          <p:cNvSpPr>
+            <a:spLocks noGrp="1" noRot="1" noChangeAspect="1"/>
+          </p:cNvSpPr>
+          <p:nvPr>
+            <p:ph type="sldImg"/>
+          </p:nvPr>
+        </p:nvSpPr>
+        <p:spPr/>
+      </p:sp>
+      <p:sp>
+        <p:nvSpPr>
+          <p:cNvPr id="3" name="슬라이드 노트 개체 틀 2"/>
+          <p:cNvSpPr>
+            <a:spLocks noGrp="1"/>
+          </p:cNvSpPr>
+          <p:nvPr>
+            <p:ph type="body" idx="1"/>
+          </p:nvPr>
+        </p:nvSpPr>
+        <p:spPr/>
+        <p:txBody>
+          <a:bodyPr/>
+          <a:lstStyle/>
+          <a:p>
+            <a:r>
+              <a:rPr lang="ko-KR" altLang="en-US" dirty="0"/>
+              <a:t>안녕하세요 </a:t>
+            </a:r>
+            <a:r>
+              <a:rPr lang="en-US" altLang="ko-KR" dirty="0"/>
+              <a:t>2022184015 </a:t>
+            </a:r>
+            <a:r>
+              <a:rPr lang="ko-KR" altLang="en-US" dirty="0" err="1"/>
+              <a:t>김해님입니다</a:t>
+            </a:r>
+            <a:r>
+              <a:rPr lang="ko-KR" altLang="en-US" dirty="0"/>
+              <a:t> </a:t>
+            </a:r>
+            <a:r>
+              <a:rPr lang="en-US" altLang="ko-KR" dirty="0"/>
+              <a:t>2D</a:t>
+            </a:r>
+            <a:r>
+              <a:rPr lang="ko-KR" altLang="en-US" dirty="0"/>
+              <a:t>게임프로그래밍 </a:t>
+            </a:r>
+            <a:r>
+              <a:rPr lang="en-US" altLang="ko-KR" dirty="0"/>
+              <a:t>1</a:t>
+            </a:r>
+            <a:r>
+              <a:rPr lang="ko-KR" altLang="en-US" dirty="0"/>
+              <a:t>차 발표를 시작하도록 하겠습니다</a:t>
+            </a:r>
+            <a:r>
+              <a:rPr lang="en-US" altLang="ko-KR" dirty="0"/>
+              <a:t>. </a:t>
+            </a:r>
+            <a:r>
+              <a:rPr lang="ko-KR" altLang="en-US" dirty="0"/>
+              <a:t>제가 개발할 게임의 이름은 코튼 볼 입니다</a:t>
+            </a:r>
+            <a:r>
+              <a:rPr lang="en-US" altLang="ko-KR" dirty="0"/>
+              <a:t>.</a:t>
+            </a:r>
+            <a:endParaRPr lang="ko-KR" altLang="en-US" dirty="0"/>
+          </a:p>
+        </p:txBody>
+      </p:sp>
+      <p:sp>
+        <p:nvSpPr>
+          <p:cNvPr id="4" name="슬라이드 번호 개체 틀 3"/>
+          <p:cNvSpPr>
+            <a:spLocks noGrp="1"/>
+          </p:cNvSpPr>
+          <p:nvPr>
+            <p:ph type="sldNum" sz="quarter" idx="5"/>
+          </p:nvPr>
+        </p:nvSpPr>
+        <p:spPr/>
+        <p:txBody>
+          <a:bodyPr/>
+          <a:lstStyle/>
+          <a:p>
+            <a:fld id="{F2CAB8E2-E320-4381-BA97-906B27B6B27A}" type="slidenum">
+              <a:rPr lang="ko-KR" altLang="en-US" smtClean="0"/>
+              <a:t>1</a:t>
+            </a:fld>
+            <a:endParaRPr lang="ko-KR" altLang="en-US"/>
+          </a:p>
+        </p:txBody>
+      </p:sp>
+    </p:spTree>
+    <p:extLst>
+      <p:ext uri="{BB962C8B-B14F-4D97-AF65-F5344CB8AC3E}">
+        <p14:creationId xmlns:p14="http://schemas.microsoft.com/office/powerpoint/2010/main" val="635736548"/>
+      </p:ext>
+    </p:extLst>
+  </p:cSld>
+  <p:clrMapOvr>
+    <a:masterClrMapping/>
+  </p:clrMapOvr>
+</p:notes>
+</file>
+
+<file path=ppt/notesSlides/notesSlide2.xml><?xml version="1.0" encoding="utf-8"?>
+<p:notes xmlns:a="http://schemas.openxmlformats.org/drawingml/2006/main" xmlns:r="http://schemas.openxmlformats.org/officeDocument/2006/relationships" xmlns:p="http://schemas.openxmlformats.org/presentationml/2006/main">
+  <p:cSld>
+    <p:spTree>
+      <p:nvGrpSpPr>
+        <p:cNvPr id="1" name=""/>
+        <p:cNvGrpSpPr/>
+        <p:nvPr/>
+      </p:nvGrpSpPr>
+      <p:grpSpPr>
+        <a:xfrm>
+          <a:off x="0" y="0"/>
+          <a:ext cx="0" cy="0"/>
+          <a:chOff x="0" y="0"/>
+          <a:chExt cx="0" cy="0"/>
+        </a:xfrm>
+      </p:grpSpPr>
+      <p:sp>
+        <p:nvSpPr>
+          <p:cNvPr id="2" name="슬라이드 이미지 개체 틀 1"/>
+          <p:cNvSpPr>
+            <a:spLocks noGrp="1" noRot="1" noChangeAspect="1"/>
+          </p:cNvSpPr>
+          <p:nvPr>
+            <p:ph type="sldImg"/>
+          </p:nvPr>
+        </p:nvSpPr>
+        <p:spPr/>
+      </p:sp>
+      <p:sp>
+        <p:nvSpPr>
+          <p:cNvPr id="3" name="슬라이드 노트 개체 틀 2"/>
+          <p:cNvSpPr>
+            <a:spLocks noGrp="1"/>
+          </p:cNvSpPr>
+          <p:nvPr>
+            <p:ph type="body" idx="1"/>
+          </p:nvPr>
+        </p:nvSpPr>
+        <p:spPr/>
+        <p:txBody>
+          <a:bodyPr/>
+          <a:lstStyle/>
+          <a:p>
+            <a:r>
+              <a:rPr lang="ko-KR" altLang="en-US" dirty="0"/>
+              <a:t>저는 스포츠 게임을 만들기로 선택했고</a:t>
+            </a:r>
+            <a:r>
+              <a:rPr lang="en-US" altLang="ko-KR" dirty="0"/>
+              <a:t>, </a:t>
+            </a:r>
+            <a:r>
+              <a:rPr lang="ko-KR" altLang="en-US" dirty="0" err="1"/>
+              <a:t>도그</a:t>
+            </a:r>
+            <a:r>
+              <a:rPr lang="ko-KR" altLang="en-US" dirty="0"/>
+              <a:t> </a:t>
+            </a:r>
+            <a:r>
+              <a:rPr lang="ko-KR" altLang="en-US" dirty="0" err="1"/>
+              <a:t>어질리티를</a:t>
+            </a:r>
+            <a:r>
+              <a:rPr lang="ko-KR" altLang="en-US" dirty="0"/>
+              <a:t> 주제로 선정했습니다</a:t>
+            </a:r>
+            <a:r>
+              <a:rPr lang="en-US" altLang="ko-KR" dirty="0"/>
+              <a:t>. </a:t>
+            </a:r>
+            <a:r>
+              <a:rPr lang="ko-KR" altLang="en-US" dirty="0"/>
+              <a:t>유사한 게임으로는 </a:t>
+            </a:r>
+            <a:r>
+              <a:rPr lang="ko-KR" altLang="en-US" dirty="0" err="1"/>
+              <a:t>닌텐독스의</a:t>
+            </a:r>
+            <a:r>
+              <a:rPr lang="ko-KR" altLang="en-US" dirty="0"/>
+              <a:t> </a:t>
+            </a:r>
+            <a:r>
+              <a:rPr lang="ko-KR" altLang="en-US" dirty="0" err="1"/>
+              <a:t>어질리티가</a:t>
+            </a:r>
+            <a:r>
+              <a:rPr lang="ko-KR" altLang="en-US" dirty="0"/>
+              <a:t> 있습니다</a:t>
+            </a:r>
+            <a:r>
+              <a:rPr lang="en-US" altLang="ko-KR" dirty="0"/>
+              <a:t>.</a:t>
+            </a:r>
+            <a:endParaRPr lang="ko-KR" altLang="en-US" dirty="0"/>
+          </a:p>
+        </p:txBody>
+      </p:sp>
+      <p:sp>
+        <p:nvSpPr>
+          <p:cNvPr id="4" name="슬라이드 번호 개체 틀 3"/>
+          <p:cNvSpPr>
+            <a:spLocks noGrp="1"/>
+          </p:cNvSpPr>
+          <p:nvPr>
+            <p:ph type="sldNum" sz="quarter" idx="5"/>
+          </p:nvPr>
+        </p:nvSpPr>
+        <p:spPr/>
+        <p:txBody>
+          <a:bodyPr/>
+          <a:lstStyle/>
+          <a:p>
+            <a:fld id="{F2CAB8E2-E320-4381-BA97-906B27B6B27A}" type="slidenum">
+              <a:rPr lang="ko-KR" altLang="en-US" smtClean="0"/>
+              <a:t>2</a:t>
+            </a:fld>
+            <a:endParaRPr lang="ko-KR" altLang="en-US"/>
+          </a:p>
+        </p:txBody>
+      </p:sp>
+    </p:spTree>
+    <p:extLst>
+      <p:ext uri="{BB962C8B-B14F-4D97-AF65-F5344CB8AC3E}">
+        <p14:creationId xmlns:p14="http://schemas.microsoft.com/office/powerpoint/2010/main" val="2255223692"/>
+      </p:ext>
+    </p:extLst>
+  </p:cSld>
+  <p:clrMapOvr>
+    <a:masterClrMapping/>
+  </p:clrMapOvr>
+</p:notes>
+</file>
+
+<file path=ppt/notesSlides/notesSlide3.xml><?xml version="1.0" encoding="utf-8"?>
+<p:notes xmlns:a="http://schemas.openxmlformats.org/drawingml/2006/main" xmlns:r="http://schemas.openxmlformats.org/officeDocument/2006/relationships" xmlns:p="http://schemas.openxmlformats.org/presentationml/2006/main">
+  <p:cSld>
+    <p:spTree>
+      <p:nvGrpSpPr>
+        <p:cNvPr id="1" name=""/>
+        <p:cNvGrpSpPr/>
+        <p:nvPr/>
+      </p:nvGrpSpPr>
+      <p:grpSpPr>
+        <a:xfrm>
+          <a:off x="0" y="0"/>
+          <a:ext cx="0" cy="0"/>
+          <a:chOff x="0" y="0"/>
+          <a:chExt cx="0" cy="0"/>
+        </a:xfrm>
+      </p:grpSpPr>
+      <p:sp>
+        <p:nvSpPr>
+          <p:cNvPr id="2" name="슬라이드 이미지 개체 틀 1"/>
+          <p:cNvSpPr>
+            <a:spLocks noGrp="1" noRot="1" noChangeAspect="1"/>
+          </p:cNvSpPr>
+          <p:nvPr>
+            <p:ph type="sldImg"/>
+          </p:nvPr>
+        </p:nvSpPr>
+        <p:spPr/>
+      </p:sp>
+      <p:sp>
+        <p:nvSpPr>
+          <p:cNvPr id="3" name="슬라이드 노트 개체 틀 2"/>
+          <p:cNvSpPr>
+            <a:spLocks noGrp="1"/>
+          </p:cNvSpPr>
+          <p:nvPr>
+            <p:ph type="body" idx="1"/>
+          </p:nvPr>
+        </p:nvSpPr>
+        <p:spPr/>
+        <p:txBody>
+          <a:bodyPr/>
+          <a:lstStyle/>
+          <a:p>
+            <a:r>
+              <a:rPr lang="ko-KR" altLang="en-US" dirty="0"/>
+              <a:t>다음으로 게임 진행 흐름에 대해 소개하자면</a:t>
+            </a:r>
+            <a:r>
+              <a:rPr lang="en-US" altLang="ko-KR" dirty="0"/>
+              <a:t>, </a:t>
+            </a:r>
+            <a:r>
+              <a:rPr lang="ko-KR" altLang="en-US" dirty="0"/>
+              <a:t>먼저 기록 모드와 연습 모드 두 가지로 나눠집니다</a:t>
+            </a:r>
+            <a:r>
+              <a:rPr lang="en-US" altLang="ko-KR" dirty="0"/>
+              <a:t>. </a:t>
+            </a:r>
+            <a:r>
+              <a:rPr lang="ko-KR" altLang="en-US" dirty="0"/>
+              <a:t>연습모드는 장애물 하나를 연습하는 기능이고 기록 모드는 </a:t>
+            </a:r>
+            <a:r>
+              <a:rPr lang="ko-KR" altLang="en-US" dirty="0" err="1"/>
+              <a:t>맵에서</a:t>
+            </a:r>
+            <a:r>
+              <a:rPr lang="ko-KR" altLang="en-US" dirty="0"/>
+              <a:t> 최단 시간 기록으로 클리어하는 것을 목표로 합니다</a:t>
+            </a:r>
+            <a:r>
+              <a:rPr lang="en-US" altLang="ko-KR" dirty="0"/>
+              <a:t>.</a:t>
+            </a:r>
+            <a:endParaRPr lang="ko-KR" altLang="en-US" dirty="0"/>
+          </a:p>
+        </p:txBody>
+      </p:sp>
+      <p:sp>
+        <p:nvSpPr>
+          <p:cNvPr id="4" name="슬라이드 번호 개체 틀 3"/>
+          <p:cNvSpPr>
+            <a:spLocks noGrp="1"/>
+          </p:cNvSpPr>
+          <p:nvPr>
+            <p:ph type="sldNum" sz="quarter" idx="5"/>
+          </p:nvPr>
+        </p:nvSpPr>
+        <p:spPr/>
+        <p:txBody>
+          <a:bodyPr/>
+          <a:lstStyle/>
+          <a:p>
+            <a:fld id="{F2CAB8E2-E320-4381-BA97-906B27B6B27A}" type="slidenum">
+              <a:rPr lang="ko-KR" altLang="en-US" smtClean="0"/>
+              <a:t>3</a:t>
+            </a:fld>
+            <a:endParaRPr lang="ko-KR" altLang="en-US"/>
+          </a:p>
+        </p:txBody>
+      </p:sp>
+    </p:spTree>
+    <p:extLst>
+      <p:ext uri="{BB962C8B-B14F-4D97-AF65-F5344CB8AC3E}">
+        <p14:creationId xmlns:p14="http://schemas.microsoft.com/office/powerpoint/2010/main" val="2583096510"/>
+      </p:ext>
+    </p:extLst>
+  </p:cSld>
+  <p:clrMapOvr>
+    <a:masterClrMapping/>
+  </p:clrMapOvr>
+</p:notes>
+</file>
+
+<file path=ppt/notesSlides/notesSlide4.xml><?xml version="1.0" encoding="utf-8"?>
+<p:notes xmlns:a="http://schemas.openxmlformats.org/drawingml/2006/main" xmlns:r="http://schemas.openxmlformats.org/officeDocument/2006/relationships" xmlns:p="http://schemas.openxmlformats.org/presentationml/2006/main">
+  <p:cSld>
+    <p:spTree>
+      <p:nvGrpSpPr>
+        <p:cNvPr id="1" name=""/>
+        <p:cNvGrpSpPr/>
+        <p:nvPr/>
+      </p:nvGrpSpPr>
+      <p:grpSpPr>
+        <a:xfrm>
+          <a:off x="0" y="0"/>
+          <a:ext cx="0" cy="0"/>
+          <a:chOff x="0" y="0"/>
+          <a:chExt cx="0" cy="0"/>
+        </a:xfrm>
+      </p:grpSpPr>
+      <p:sp>
+        <p:nvSpPr>
+          <p:cNvPr id="2" name="슬라이드 이미지 개체 틀 1"/>
+          <p:cNvSpPr>
+            <a:spLocks noGrp="1" noRot="1" noChangeAspect="1"/>
+          </p:cNvSpPr>
+          <p:nvPr>
+            <p:ph type="sldImg"/>
+          </p:nvPr>
+        </p:nvSpPr>
+        <p:spPr/>
+      </p:sp>
+      <p:sp>
+        <p:nvSpPr>
+          <p:cNvPr id="3" name="슬라이드 노트 개체 틀 2"/>
+          <p:cNvSpPr>
+            <a:spLocks noGrp="1"/>
+          </p:cNvSpPr>
+          <p:nvPr>
+            <p:ph type="body" idx="1"/>
+          </p:nvPr>
+        </p:nvSpPr>
+        <p:spPr/>
+        <p:txBody>
+          <a:bodyPr/>
+          <a:lstStyle/>
+          <a:p>
+            <a:r>
+              <a:rPr lang="ko-KR" altLang="en-US" dirty="0"/>
+              <a:t>조작 키에 대한 설명입니다</a:t>
+            </a:r>
+            <a:r>
+              <a:rPr lang="en-US" altLang="ko-KR" dirty="0"/>
+              <a:t>. </a:t>
+            </a:r>
+            <a:r>
+              <a:rPr lang="ko-KR" altLang="en-US" dirty="0"/>
+              <a:t>기록이 남기 때문에 강아지의 이름을 지정해 주도록 하고 게임을 플레이 합니다</a:t>
+            </a:r>
+            <a:r>
+              <a:rPr lang="en-US" altLang="ko-KR" dirty="0"/>
+              <a:t>.</a:t>
+            </a:r>
+            <a:endParaRPr lang="ko-KR" altLang="en-US" dirty="0"/>
+          </a:p>
+        </p:txBody>
+      </p:sp>
+      <p:sp>
+        <p:nvSpPr>
+          <p:cNvPr id="4" name="슬라이드 번호 개체 틀 3"/>
+          <p:cNvSpPr>
+            <a:spLocks noGrp="1"/>
+          </p:cNvSpPr>
+          <p:nvPr>
+            <p:ph type="sldNum" sz="quarter" idx="5"/>
+          </p:nvPr>
+        </p:nvSpPr>
+        <p:spPr/>
+        <p:txBody>
+          <a:bodyPr/>
+          <a:lstStyle/>
+          <a:p>
+            <a:fld id="{F2CAB8E2-E320-4381-BA97-906B27B6B27A}" type="slidenum">
+              <a:rPr lang="ko-KR" altLang="en-US" smtClean="0"/>
+              <a:t>4</a:t>
+            </a:fld>
+            <a:endParaRPr lang="ko-KR" altLang="en-US"/>
+          </a:p>
+        </p:txBody>
+      </p:sp>
+    </p:spTree>
+    <p:extLst>
+      <p:ext uri="{BB962C8B-B14F-4D97-AF65-F5344CB8AC3E}">
+        <p14:creationId xmlns:p14="http://schemas.microsoft.com/office/powerpoint/2010/main" val="733181280"/>
+      </p:ext>
+    </p:extLst>
+  </p:cSld>
+  <p:clrMapOvr>
+    <a:masterClrMapping/>
+  </p:clrMapOvr>
+</p:notes>
+</file>
+
+<file path=ppt/notesSlides/notesSlide5.xml><?xml version="1.0" encoding="utf-8"?>
+<p:notes xmlns:a="http://schemas.openxmlformats.org/drawingml/2006/main" xmlns:r="http://schemas.openxmlformats.org/officeDocument/2006/relationships" xmlns:p="http://schemas.openxmlformats.org/presentationml/2006/main">
+  <p:cSld>
+    <p:spTree>
+      <p:nvGrpSpPr>
+        <p:cNvPr id="1" name=""/>
+        <p:cNvGrpSpPr/>
+        <p:nvPr/>
+      </p:nvGrpSpPr>
+      <p:grpSpPr>
+        <a:xfrm>
+          <a:off x="0" y="0"/>
+          <a:ext cx="0" cy="0"/>
+          <a:chOff x="0" y="0"/>
+          <a:chExt cx="0" cy="0"/>
+        </a:xfrm>
+      </p:grpSpPr>
+      <p:sp>
+        <p:nvSpPr>
+          <p:cNvPr id="2" name="슬라이드 이미지 개체 틀 1"/>
+          <p:cNvSpPr>
+            <a:spLocks noGrp="1" noRot="1" noChangeAspect="1"/>
+          </p:cNvSpPr>
+          <p:nvPr>
+            <p:ph type="sldImg"/>
+          </p:nvPr>
+        </p:nvSpPr>
+        <p:spPr/>
+      </p:sp>
+      <p:sp>
+        <p:nvSpPr>
+          <p:cNvPr id="3" name="슬라이드 노트 개체 틀 2"/>
+          <p:cNvSpPr>
+            <a:spLocks noGrp="1"/>
+          </p:cNvSpPr>
+          <p:nvPr>
+            <p:ph type="body" idx="1"/>
+          </p:nvPr>
+        </p:nvSpPr>
+        <p:spPr/>
+        <p:txBody>
+          <a:bodyPr/>
+          <a:lstStyle/>
+          <a:p>
+            <a:r>
+              <a:rPr lang="ko-KR" altLang="en-US" dirty="0"/>
+              <a:t>게임 시작 전에 전체 </a:t>
+            </a:r>
+            <a:r>
+              <a:rPr lang="ko-KR" altLang="en-US" dirty="0" err="1"/>
+              <a:t>맵을</a:t>
+            </a:r>
+            <a:r>
+              <a:rPr lang="ko-KR" altLang="en-US" dirty="0"/>
+              <a:t> 보여줍니다</a:t>
+            </a:r>
+            <a:r>
+              <a:rPr lang="en-US" altLang="ko-KR" dirty="0"/>
+              <a:t>. </a:t>
+            </a:r>
+            <a:r>
+              <a:rPr lang="ko-KR" altLang="en-US" dirty="0"/>
+              <a:t>랭킹 기록은 플레이 시간과 실수 횟수당 추가 시간을 더해서 계산합니다</a:t>
+            </a:r>
+            <a:r>
+              <a:rPr lang="en-US" altLang="ko-KR" dirty="0"/>
+              <a:t>.</a:t>
+            </a:r>
+            <a:endParaRPr lang="ko-KR" altLang="en-US" dirty="0"/>
+          </a:p>
+        </p:txBody>
+      </p:sp>
+      <p:sp>
+        <p:nvSpPr>
+          <p:cNvPr id="4" name="슬라이드 번호 개체 틀 3"/>
+          <p:cNvSpPr>
+            <a:spLocks noGrp="1"/>
+          </p:cNvSpPr>
+          <p:nvPr>
+            <p:ph type="sldNum" sz="quarter" idx="5"/>
+          </p:nvPr>
+        </p:nvSpPr>
+        <p:spPr/>
+        <p:txBody>
+          <a:bodyPr/>
+          <a:lstStyle/>
+          <a:p>
+            <a:fld id="{F2CAB8E2-E320-4381-BA97-906B27B6B27A}" type="slidenum">
+              <a:rPr lang="ko-KR" altLang="en-US" smtClean="0"/>
+              <a:t>5</a:t>
+            </a:fld>
+            <a:endParaRPr lang="ko-KR" altLang="en-US"/>
+          </a:p>
+        </p:txBody>
+      </p:sp>
+    </p:spTree>
+    <p:extLst>
+      <p:ext uri="{BB962C8B-B14F-4D97-AF65-F5344CB8AC3E}">
+        <p14:creationId xmlns:p14="http://schemas.microsoft.com/office/powerpoint/2010/main" val="2253133085"/>
+      </p:ext>
+    </p:extLst>
+  </p:cSld>
+  <p:clrMapOvr>
+    <a:masterClrMapping/>
+  </p:clrMapOvr>
+</p:notes>
+</file>
+
+<file path=ppt/notesSlides/notesSlide6.xml><?xml version="1.0" encoding="utf-8"?>
+<p:notes xmlns:a="http://schemas.openxmlformats.org/drawingml/2006/main" xmlns:r="http://schemas.openxmlformats.org/officeDocument/2006/relationships" xmlns:p="http://schemas.openxmlformats.org/presentationml/2006/main">
+  <p:cSld>
+    <p:spTree>
+      <p:nvGrpSpPr>
+        <p:cNvPr id="1" name=""/>
+        <p:cNvGrpSpPr/>
+        <p:nvPr/>
+      </p:nvGrpSpPr>
+      <p:grpSpPr>
+        <a:xfrm>
+          <a:off x="0" y="0"/>
+          <a:ext cx="0" cy="0"/>
+          <a:chOff x="0" y="0"/>
+          <a:chExt cx="0" cy="0"/>
+        </a:xfrm>
+      </p:grpSpPr>
+      <p:sp>
+        <p:nvSpPr>
+          <p:cNvPr id="2" name="슬라이드 이미지 개체 틀 1"/>
+          <p:cNvSpPr>
+            <a:spLocks noGrp="1" noRot="1" noChangeAspect="1"/>
+          </p:cNvSpPr>
+          <p:nvPr>
+            <p:ph type="sldImg"/>
+          </p:nvPr>
+        </p:nvSpPr>
+        <p:spPr/>
+      </p:sp>
+      <p:sp>
+        <p:nvSpPr>
+          <p:cNvPr id="3" name="슬라이드 노트 개체 틀 2"/>
+          <p:cNvSpPr>
+            <a:spLocks noGrp="1"/>
+          </p:cNvSpPr>
+          <p:nvPr>
+            <p:ph type="body" idx="1"/>
+          </p:nvPr>
+        </p:nvSpPr>
+        <p:spPr/>
+        <p:txBody>
+          <a:bodyPr/>
+          <a:lstStyle/>
+          <a:p>
+            <a:r>
+              <a:rPr lang="ko-KR" altLang="en-US" dirty="0"/>
+              <a:t>개발 일정입니다</a:t>
+            </a:r>
+            <a:r>
+              <a:rPr lang="en-US" altLang="ko-KR" dirty="0"/>
+              <a:t>.</a:t>
+            </a:r>
+            <a:endParaRPr lang="ko-KR" altLang="en-US" dirty="0"/>
+          </a:p>
+        </p:txBody>
+      </p:sp>
+      <p:sp>
+        <p:nvSpPr>
+          <p:cNvPr id="4" name="슬라이드 번호 개체 틀 3"/>
+          <p:cNvSpPr>
+            <a:spLocks noGrp="1"/>
+          </p:cNvSpPr>
+          <p:nvPr>
+            <p:ph type="sldNum" sz="quarter" idx="5"/>
+          </p:nvPr>
+        </p:nvSpPr>
+        <p:spPr/>
+        <p:txBody>
+          <a:bodyPr/>
+          <a:lstStyle/>
+          <a:p>
+            <a:fld id="{F2CAB8E2-E320-4381-BA97-906B27B6B27A}" type="slidenum">
+              <a:rPr lang="ko-KR" altLang="en-US" smtClean="0"/>
+              <a:t>6</a:t>
+            </a:fld>
+            <a:endParaRPr lang="ko-KR" altLang="en-US"/>
+          </a:p>
+        </p:txBody>
+      </p:sp>
+    </p:spTree>
+    <p:extLst>
+      <p:ext uri="{BB962C8B-B14F-4D97-AF65-F5344CB8AC3E}">
+        <p14:creationId xmlns:p14="http://schemas.microsoft.com/office/powerpoint/2010/main" val="692792079"/>
+      </p:ext>
+    </p:extLst>
+  </p:cSld>
+  <p:clrMapOvr>
+    <a:masterClrMapping/>
+  </p:clrMapOvr>
+</p:notes>
+</file>
+
 <file path=ppt/slideLayouts/slideLayout1.xml><?xml version="1.0" encoding="utf-8"?>
 <p:sldLayout xmlns:a="http://schemas.openxmlformats.org/drawingml/2006/main" xmlns:r="http://schemas.openxmlformats.org/officeDocument/2006/relationships" xmlns:p="http://schemas.openxmlformats.org/presentationml/2006/main" type="title" preserve="1">
   <p:cSld name="Title Slide">
@@ -618,7 +1303,7 @@
           <a:p>
             <a:fld id="{79C5A860-F335-4252-AA00-24FB67ED2982}" type="datetime1">
               <a:rPr lang="en-US" smtClean="0"/>
-              <a:t>10/14/2023</a:t>
+              <a:t>10/16/2023</a:t>
             </a:fld>
             <a:endParaRPr lang="en-US"/>
           </a:p>
@@ -817,7 +1502,7 @@
           <a:p>
             <a:fld id="{46AB1048-0047-48CA-88BA-D69B470942CF}" type="datetime1">
               <a:rPr lang="en-US" smtClean="0"/>
-              <a:t>10/14/2023</a:t>
+              <a:t>10/16/2023</a:t>
             </a:fld>
             <a:endParaRPr lang="en-US"/>
           </a:p>
@@ -1027,7 +1712,7 @@
           <a:p>
             <a:fld id="{5BD83879-648C-49A9-81A2-0EF5946532D0}" type="datetime1">
               <a:rPr lang="en-US" smtClean="0"/>
-              <a:t>10/14/2023</a:t>
+              <a:t>10/16/2023</a:t>
             </a:fld>
             <a:endParaRPr lang="en-US"/>
           </a:p>
@@ -1225,7 +1910,7 @@
           <a:p>
             <a:fld id="{D04BC802-30E3-4658-9CCA-F873646FEC67}" type="datetime1">
               <a:rPr lang="en-US" smtClean="0"/>
-              <a:t>10/14/2023</a:t>
+              <a:t>10/16/2023</a:t>
             </a:fld>
             <a:endParaRPr lang="en-US"/>
           </a:p>
@@ -1503,7 +2188,7 @@
           <a:p>
             <a:fld id="{0AB227A3-19CE-4153-81CE-64EB7AB094B3}" type="datetime1">
               <a:rPr lang="en-US" smtClean="0"/>
-              <a:t>10/14/2023</a:t>
+              <a:t>10/16/2023</a:t>
             </a:fld>
             <a:endParaRPr lang="en-US"/>
           </a:p>
@@ -1770,7 +2455,7 @@
           <a:p>
             <a:fld id="{B819A100-10F6-477E-8847-29D479EF1C92}" type="datetime1">
               <a:rPr lang="en-US" smtClean="0"/>
-              <a:t>10/14/2023</a:t>
+              <a:t>10/16/2023</a:t>
             </a:fld>
             <a:endParaRPr lang="en-US"/>
           </a:p>
@@ -2184,7 +2869,7 @@
           <a:p>
             <a:fld id="{5DF128AB-198A-495F-8475-FDB360C9873F}" type="datetime1">
               <a:rPr lang="en-US" smtClean="0"/>
-              <a:t>10/14/2023</a:t>
+              <a:t>10/16/2023</a:t>
             </a:fld>
             <a:endParaRPr lang="en-US"/>
           </a:p>
@@ -2325,7 +3010,7 @@
           <a:p>
             <a:fld id="{021A235E-F8FD-479F-9FC7-18BE84110877}" type="datetime1">
               <a:rPr lang="en-US" smtClean="0"/>
-              <a:t>10/14/2023</a:t>
+              <a:t>10/16/2023</a:t>
             </a:fld>
             <a:endParaRPr lang="en-US"/>
           </a:p>
@@ -2438,7 +3123,7 @@
           <a:p>
             <a:fld id="{E890F09B-68DA-462E-9DB4-4C9ADAB8CBCC}" type="datetime1">
               <a:rPr lang="en-US" smtClean="0"/>
-              <a:t>10/14/2023</a:t>
+              <a:t>10/16/2023</a:t>
             </a:fld>
             <a:endParaRPr lang="en-US"/>
           </a:p>
@@ -2757,7 +3442,7 @@
           <a:p>
             <a:fld id="{17AC4E36-FABE-47EB-AA7F-C19A93824617}" type="datetime1">
               <a:rPr lang="en-US" smtClean="0"/>
-              <a:t>10/14/2023</a:t>
+              <a:t>10/16/2023</a:t>
             </a:fld>
             <a:endParaRPr lang="en-US"/>
           </a:p>
@@ -3054,7 +3739,7 @@
           <a:p>
             <a:fld id="{F199CE6B-5DE6-4A2D-B72E-5E8969F9F56F}" type="datetime1">
               <a:rPr lang="en-US" smtClean="0"/>
-              <a:t>10/14/2023</a:t>
+              <a:t>10/16/2023</a:t>
             </a:fld>
             <a:endParaRPr lang="en-US"/>
           </a:p>
@@ -3912,7 +4597,7 @@
           <a:p>
             <a:fld id="{F481A142-DA77-4A5F-AD1F-14E6C18F0F5F}" type="datetime1">
               <a:rPr lang="en-US" smtClean="0"/>
-              <a:t>10/14/2023</a:t>
+              <a:t>10/16/2023</a:t>
             </a:fld>
             <a:endParaRPr lang="en-US" dirty="0"/>
           </a:p>
@@ -4500,7 +5185,7 @@
           <p:nvPr/>
         </p:nvPicPr>
         <p:blipFill rotWithShape="1">
-          <a:blip r:embed="rId2"/>
+          <a:blip r:embed="rId5"/>
           <a:srcRect t="14449"/>
           <a:stretch/>
         </p:blipFill>
@@ -5128,6 +5813,45 @@
           </a:p>
         </p:txBody>
       </p:sp>
+      <p:pic>
+        <p:nvPicPr>
+          <p:cNvPr id="10" name="오디오 9">
+            <a:hlinkClick r:id="" action="ppaction://media"/>
+            <a:extLst>
+              <a:ext uri="{FF2B5EF4-FFF2-40B4-BE49-F238E27FC236}">
+                <a16:creationId xmlns:a16="http://schemas.microsoft.com/office/drawing/2014/main" id="{1B06454F-93C6-F375-8A93-7050EBD8A7E7}"/>
+              </a:ext>
+            </a:extLst>
+          </p:cNvPr>
+          <p:cNvPicPr>
+            <a:picLocks noChangeAspect="1"/>
+          </p:cNvPicPr>
+          <p:nvPr>
+            <a:audioFile r:link="rId2"/>
+            <p:extLst>
+              <p:ext uri="{DAA4B4D4-6D71-4841-9C94-3DE7FCFB9230}">
+                <p14:media xmlns:p14="http://schemas.microsoft.com/office/powerpoint/2010/main" r:embed="rId1"/>
+              </p:ext>
+            </p:extLst>
+          </p:nvPr>
+        </p:nvPicPr>
+        <p:blipFill>
+          <a:blip r:embed="rId6"/>
+          <a:srcRect l="-203125" t="-203125" r="-203125" b="-203125"/>
+          <a:stretch>
+            <a:fillRect/>
+          </a:stretch>
+        </p:blipFill>
+        <p:spPr>
+          <a:xfrm>
+            <a:off x="10052304" y="4718304"/>
+            <a:ext cx="2057400" cy="2057400"/>
+          </a:xfrm>
+          <a:prstGeom prst="ellipse">
+            <a:avLst/>
+          </a:prstGeom>
+        </p:spPr>
+      </p:pic>
     </p:spTree>
     <p:extLst>
       <p:ext uri="{BB962C8B-B14F-4D97-AF65-F5344CB8AC3E}">
@@ -5138,6 +5862,101 @@
   <p:clrMapOvr>
     <a:masterClrMapping/>
   </p:clrMapOvr>
+  <mc:AlternateContent xmlns:mc="http://schemas.openxmlformats.org/markup-compatibility/2006" xmlns:p14="http://schemas.microsoft.com/office/powerpoint/2010/main">
+    <mc:Choice Requires="p14">
+      <p:transition spd="slow" p14:dur="2000" advTm="12041"/>
+    </mc:Choice>
+    <mc:Fallback xmlns="">
+      <p:transition spd="slow" advTm="12041"/>
+    </mc:Fallback>
+  </mc:AlternateContent>
+  <p:timing>
+    <p:tnLst>
+      <p:par>
+        <p:cTn id="1" dur="indefinite" restart="never" nodeType="tmRoot">
+          <p:childTnLst>
+            <p:seq concurrent="1" nextAc="seek">
+              <p:cTn id="2" dur="indefinite" nodeType="mainSeq">
+                <p:childTnLst>
+                  <p:par>
+                    <p:cTn id="3" fill="hold">
+                      <p:stCondLst>
+                        <p:cond delay="indefinite"/>
+                        <p:cond evt="onBegin" delay="0">
+                          <p:tn val="2"/>
+                        </p:cond>
+                      </p:stCondLst>
+                      <p:childTnLst>
+                        <p:par>
+                          <p:cTn id="4" fill="hold">
+                            <p:stCondLst>
+                              <p:cond delay="0"/>
+                            </p:stCondLst>
+                            <p:childTnLst>
+                              <p:par>
+                                <p:cTn id="5" presetID="1" presetClass="mediacall" presetSubtype="0" fill="hold" nodeType="afterEffect">
+                                  <p:stCondLst>
+                                    <p:cond delay="0"/>
+                                  </p:stCondLst>
+                                  <p:childTnLst>
+                                    <p:cmd type="call" cmd="playFrom(0.0)">
+                                      <p:cBhvr>
+                                        <p:cTn id="6" dur="1" fill="hold"/>
+                                        <p:tgtEl>
+                                          <p:spTgt spid="10"/>
+                                        </p:tgtEl>
+                                      </p:cBhvr>
+                                    </p:cmd>
+                                  </p:childTnLst>
+                                </p:cTn>
+                              </p:par>
+                            </p:childTnLst>
+                          </p:cTn>
+                        </p:par>
+                      </p:childTnLst>
+                    </p:cTn>
+                  </p:par>
+                </p:childTnLst>
+              </p:cTn>
+              <p:prevCondLst>
+                <p:cond evt="onPrev" delay="0">
+                  <p:tgtEl>
+                    <p:sldTgt/>
+                  </p:tgtEl>
+                </p:cond>
+              </p:prevCondLst>
+              <p:nextCondLst>
+                <p:cond evt="onNext" delay="0">
+                  <p:tgtEl>
+                    <p:sldTgt/>
+                  </p:tgtEl>
+                </p:cond>
+              </p:nextCondLst>
+            </p:seq>
+            <p:audio isNarration="1">
+              <p:cMediaNode vol="80000" showWhenStopped="0">
+                <p:cTn id="7" fill="hold" display="0">
+                  <p:stCondLst>
+                    <p:cond delay="indefinite"/>
+                  </p:stCondLst>
+                  <p:endCondLst>
+                    <p:cond evt="onStopAudio" delay="0">
+                      <p:tgtEl>
+                        <p:sldTgt/>
+                      </p:tgtEl>
+                    </p:cond>
+                  </p:endCondLst>
+                </p:cTn>
+                <p:tgtEl>
+                  <p:spTgt spid="10"/>
+                </p:tgtEl>
+              </p:cMediaNode>
+            </p:audio>
+          </p:childTnLst>
+        </p:cTn>
+      </p:par>
+    </p:tnLst>
+  </p:timing>
 </p:sld>
 </file>
 
@@ -5215,7 +6034,7 @@
           <p:nvPr/>
         </p:nvPicPr>
         <p:blipFill>
-          <a:blip r:embed="rId2">
+          <a:blip r:embed="rId5">
             <a:extLst>
               <a:ext uri="{28A0092B-C50C-407E-A947-70E740481C1C}">
                 <a14:useLocalDpi xmlns:a14="http://schemas.microsoft.com/office/drawing/2010/main" val="0"/>
@@ -5315,6 +6134,45 @@
           </a:p>
         </p:txBody>
       </p:sp>
+      <p:pic>
+        <p:nvPicPr>
+          <p:cNvPr id="9" name="오디오 8">
+            <a:hlinkClick r:id="" action="ppaction://media"/>
+            <a:extLst>
+              <a:ext uri="{FF2B5EF4-FFF2-40B4-BE49-F238E27FC236}">
+                <a16:creationId xmlns:a16="http://schemas.microsoft.com/office/drawing/2014/main" id="{D061AD50-B4F8-E7FE-7504-C3925CABE81B}"/>
+              </a:ext>
+            </a:extLst>
+          </p:cNvPr>
+          <p:cNvPicPr>
+            <a:picLocks noChangeAspect="1"/>
+          </p:cNvPicPr>
+          <p:nvPr>
+            <a:audioFile r:link="rId2"/>
+            <p:extLst>
+              <p:ext uri="{DAA4B4D4-6D71-4841-9C94-3DE7FCFB9230}">
+                <p14:media xmlns:p14="http://schemas.microsoft.com/office/powerpoint/2010/main" r:embed="rId1"/>
+              </p:ext>
+            </p:extLst>
+          </p:nvPr>
+        </p:nvPicPr>
+        <p:blipFill>
+          <a:blip r:embed="rId6"/>
+          <a:srcRect l="-203125" t="-203125" r="-203125" b="-203125"/>
+          <a:stretch>
+            <a:fillRect/>
+          </a:stretch>
+        </p:blipFill>
+        <p:spPr>
+          <a:xfrm>
+            <a:off x="10052304" y="4718304"/>
+            <a:ext cx="2057400" cy="2057400"/>
+          </a:xfrm>
+          <a:prstGeom prst="ellipse">
+            <a:avLst/>
+          </a:prstGeom>
+        </p:spPr>
+      </p:pic>
     </p:spTree>
     <p:extLst>
       <p:ext uri="{BB962C8B-B14F-4D97-AF65-F5344CB8AC3E}">
@@ -5325,6 +6183,101 @@
   <p:clrMapOvr>
     <a:masterClrMapping/>
   </p:clrMapOvr>
+  <mc:AlternateContent xmlns:mc="http://schemas.openxmlformats.org/markup-compatibility/2006" xmlns:p14="http://schemas.microsoft.com/office/powerpoint/2010/main">
+    <mc:Choice Requires="p14">
+      <p:transition spd="slow" p14:dur="2000" advTm="17716"/>
+    </mc:Choice>
+    <mc:Fallback xmlns="">
+      <p:transition spd="slow" advTm="17716"/>
+    </mc:Fallback>
+  </mc:AlternateContent>
+  <p:timing>
+    <p:tnLst>
+      <p:par>
+        <p:cTn id="1" dur="indefinite" restart="never" nodeType="tmRoot">
+          <p:childTnLst>
+            <p:seq concurrent="1" nextAc="seek">
+              <p:cTn id="2" dur="indefinite" nodeType="mainSeq">
+                <p:childTnLst>
+                  <p:par>
+                    <p:cTn id="3" fill="hold">
+                      <p:stCondLst>
+                        <p:cond delay="indefinite"/>
+                        <p:cond evt="onBegin" delay="0">
+                          <p:tn val="2"/>
+                        </p:cond>
+                      </p:stCondLst>
+                      <p:childTnLst>
+                        <p:par>
+                          <p:cTn id="4" fill="hold">
+                            <p:stCondLst>
+                              <p:cond delay="0"/>
+                            </p:stCondLst>
+                            <p:childTnLst>
+                              <p:par>
+                                <p:cTn id="5" presetID="1" presetClass="mediacall" presetSubtype="0" fill="hold" nodeType="afterEffect">
+                                  <p:stCondLst>
+                                    <p:cond delay="0"/>
+                                  </p:stCondLst>
+                                  <p:childTnLst>
+                                    <p:cmd type="call" cmd="playFrom(0.0)">
+                                      <p:cBhvr>
+                                        <p:cTn id="6" dur="1" fill="hold"/>
+                                        <p:tgtEl>
+                                          <p:spTgt spid="9"/>
+                                        </p:tgtEl>
+                                      </p:cBhvr>
+                                    </p:cmd>
+                                  </p:childTnLst>
+                                </p:cTn>
+                              </p:par>
+                            </p:childTnLst>
+                          </p:cTn>
+                        </p:par>
+                      </p:childTnLst>
+                    </p:cTn>
+                  </p:par>
+                </p:childTnLst>
+              </p:cTn>
+              <p:prevCondLst>
+                <p:cond evt="onPrev" delay="0">
+                  <p:tgtEl>
+                    <p:sldTgt/>
+                  </p:tgtEl>
+                </p:cond>
+              </p:prevCondLst>
+              <p:nextCondLst>
+                <p:cond evt="onNext" delay="0">
+                  <p:tgtEl>
+                    <p:sldTgt/>
+                  </p:tgtEl>
+                </p:cond>
+              </p:nextCondLst>
+            </p:seq>
+            <p:audio isNarration="1">
+              <p:cMediaNode vol="80000" showWhenStopped="0">
+                <p:cTn id="7" fill="hold" display="0">
+                  <p:stCondLst>
+                    <p:cond delay="indefinite"/>
+                  </p:stCondLst>
+                  <p:endCondLst>
+                    <p:cond evt="onStopAudio" delay="0">
+                      <p:tgtEl>
+                        <p:sldTgt/>
+                      </p:tgtEl>
+                    </p:cond>
+                  </p:endCondLst>
+                </p:cTn>
+                <p:tgtEl>
+                  <p:spTgt spid="9"/>
+                </p:tgtEl>
+              </p:cMediaNode>
+            </p:audio>
+          </p:childTnLst>
+        </p:cTn>
+      </p:par>
+    </p:tnLst>
+  </p:timing>
 </p:sld>
 </file>
 
@@ -5402,7 +6355,7 @@
           <p:nvPr/>
         </p:nvPicPr>
         <p:blipFill>
-          <a:blip r:embed="rId2"/>
+          <a:blip r:embed="rId5"/>
           <a:stretch>
             <a:fillRect/>
           </a:stretch>
@@ -5574,6 +6527,45 @@
           </a:p>
         </p:txBody>
       </p:sp>
+      <p:pic>
+        <p:nvPicPr>
+          <p:cNvPr id="8" name="오디오 7">
+            <a:hlinkClick r:id="" action="ppaction://media"/>
+            <a:extLst>
+              <a:ext uri="{FF2B5EF4-FFF2-40B4-BE49-F238E27FC236}">
+                <a16:creationId xmlns:a16="http://schemas.microsoft.com/office/drawing/2014/main" id="{89A7E7CE-195E-106C-69E6-3E55CB8ACCF1}"/>
+              </a:ext>
+            </a:extLst>
+          </p:cNvPr>
+          <p:cNvPicPr>
+            <a:picLocks noChangeAspect="1"/>
+          </p:cNvPicPr>
+          <p:nvPr>
+            <a:audioFile r:link="rId2"/>
+            <p:extLst>
+              <p:ext uri="{DAA4B4D4-6D71-4841-9C94-3DE7FCFB9230}">
+                <p14:media xmlns:p14="http://schemas.microsoft.com/office/powerpoint/2010/main" r:embed="rId1"/>
+              </p:ext>
+            </p:extLst>
+          </p:nvPr>
+        </p:nvPicPr>
+        <p:blipFill>
+          <a:blip r:embed="rId6"/>
+          <a:srcRect l="-203125" t="-203125" r="-203125" b="-203125"/>
+          <a:stretch>
+            <a:fillRect/>
+          </a:stretch>
+        </p:blipFill>
+        <p:spPr>
+          <a:xfrm>
+            <a:off x="10052304" y="4718304"/>
+            <a:ext cx="2057400" cy="2057400"/>
+          </a:xfrm>
+          <a:prstGeom prst="ellipse">
+            <a:avLst/>
+          </a:prstGeom>
+        </p:spPr>
+      </p:pic>
     </p:spTree>
     <p:extLst>
       <p:ext uri="{BB962C8B-B14F-4D97-AF65-F5344CB8AC3E}">
@@ -5584,6 +6576,101 @@
   <p:clrMapOvr>
     <a:masterClrMapping/>
   </p:clrMapOvr>
+  <mc:AlternateContent xmlns:mc="http://schemas.openxmlformats.org/markup-compatibility/2006" xmlns:p14="http://schemas.microsoft.com/office/powerpoint/2010/main">
+    <mc:Choice Requires="p14">
+      <p:transition spd="slow" p14:dur="2000" advTm="15793"/>
+    </mc:Choice>
+    <mc:Fallback xmlns="">
+      <p:transition spd="slow" advTm="15793"/>
+    </mc:Fallback>
+  </mc:AlternateContent>
+  <p:timing>
+    <p:tnLst>
+      <p:par>
+        <p:cTn id="1" dur="indefinite" restart="never" nodeType="tmRoot">
+          <p:childTnLst>
+            <p:seq concurrent="1" nextAc="seek">
+              <p:cTn id="2" dur="indefinite" nodeType="mainSeq">
+                <p:childTnLst>
+                  <p:par>
+                    <p:cTn id="3" fill="hold">
+                      <p:stCondLst>
+                        <p:cond delay="indefinite"/>
+                        <p:cond evt="onBegin" delay="0">
+                          <p:tn val="2"/>
+                        </p:cond>
+                      </p:stCondLst>
+                      <p:childTnLst>
+                        <p:par>
+                          <p:cTn id="4" fill="hold">
+                            <p:stCondLst>
+                              <p:cond delay="0"/>
+                            </p:stCondLst>
+                            <p:childTnLst>
+                              <p:par>
+                                <p:cTn id="5" presetID="1" presetClass="mediacall" presetSubtype="0" fill="hold" nodeType="afterEffect">
+                                  <p:stCondLst>
+                                    <p:cond delay="0"/>
+                                  </p:stCondLst>
+                                  <p:childTnLst>
+                                    <p:cmd type="call" cmd="playFrom(0.0)">
+                                      <p:cBhvr>
+                                        <p:cTn id="6" dur="1" fill="hold"/>
+                                        <p:tgtEl>
+                                          <p:spTgt spid="8"/>
+                                        </p:tgtEl>
+                                      </p:cBhvr>
+                                    </p:cmd>
+                                  </p:childTnLst>
+                                </p:cTn>
+                              </p:par>
+                            </p:childTnLst>
+                          </p:cTn>
+                        </p:par>
+                      </p:childTnLst>
+                    </p:cTn>
+                  </p:par>
+                </p:childTnLst>
+              </p:cTn>
+              <p:prevCondLst>
+                <p:cond evt="onPrev" delay="0">
+                  <p:tgtEl>
+                    <p:sldTgt/>
+                  </p:tgtEl>
+                </p:cond>
+              </p:prevCondLst>
+              <p:nextCondLst>
+                <p:cond evt="onNext" delay="0">
+                  <p:tgtEl>
+                    <p:sldTgt/>
+                  </p:tgtEl>
+                </p:cond>
+              </p:nextCondLst>
+            </p:seq>
+            <p:audio isNarration="1">
+              <p:cMediaNode vol="80000" showWhenStopped="0">
+                <p:cTn id="7" fill="hold" display="0">
+                  <p:stCondLst>
+                    <p:cond delay="indefinite"/>
+                  </p:stCondLst>
+                  <p:endCondLst>
+                    <p:cond evt="onStopAudio" delay="0">
+                      <p:tgtEl>
+                        <p:sldTgt/>
+                      </p:tgtEl>
+                    </p:cond>
+                  </p:endCondLst>
+                </p:cTn>
+                <p:tgtEl>
+                  <p:spTgt spid="8"/>
+                </p:tgtEl>
+              </p:cMediaNode>
+            </p:audio>
+          </p:childTnLst>
+        </p:cTn>
+      </p:par>
+    </p:tnLst>
+  </p:timing>
 </p:sld>
 </file>
 
@@ -5619,7 +6706,7 @@
           <p:nvPr/>
         </p:nvPicPr>
         <p:blipFill>
-          <a:blip r:embed="rId2"/>
+          <a:blip r:embed="rId5"/>
           <a:stretch>
             <a:fillRect/>
           </a:stretch>
@@ -5880,6 +6967,45 @@
           </a:p>
         </p:txBody>
       </p:sp>
+      <p:pic>
+        <p:nvPicPr>
+          <p:cNvPr id="7" name="오디오 6">
+            <a:hlinkClick r:id="" action="ppaction://media"/>
+            <a:extLst>
+              <a:ext uri="{FF2B5EF4-FFF2-40B4-BE49-F238E27FC236}">
+                <a16:creationId xmlns:a16="http://schemas.microsoft.com/office/drawing/2014/main" id="{A3D05273-FCED-80A9-C2A9-AC49C85CB7C9}"/>
+              </a:ext>
+            </a:extLst>
+          </p:cNvPr>
+          <p:cNvPicPr>
+            <a:picLocks noChangeAspect="1"/>
+          </p:cNvPicPr>
+          <p:nvPr>
+            <a:audioFile r:link="rId2"/>
+            <p:extLst>
+              <p:ext uri="{DAA4B4D4-6D71-4841-9C94-3DE7FCFB9230}">
+                <p14:media xmlns:p14="http://schemas.microsoft.com/office/powerpoint/2010/main" r:embed="rId1"/>
+              </p:ext>
+            </p:extLst>
+          </p:nvPr>
+        </p:nvPicPr>
+        <p:blipFill>
+          <a:blip r:embed="rId6"/>
+          <a:srcRect l="-203125" t="-203125" r="-203125" b="-203125"/>
+          <a:stretch>
+            <a:fillRect/>
+          </a:stretch>
+        </p:blipFill>
+        <p:spPr>
+          <a:xfrm>
+            <a:off x="10052304" y="4718304"/>
+            <a:ext cx="2057400" cy="2057400"/>
+          </a:xfrm>
+          <a:prstGeom prst="ellipse">
+            <a:avLst/>
+          </a:prstGeom>
+        </p:spPr>
+      </p:pic>
     </p:spTree>
     <p:extLst>
       <p:ext uri="{BB962C8B-B14F-4D97-AF65-F5344CB8AC3E}">
@@ -5890,6 +7016,101 @@
   <p:clrMapOvr>
     <a:masterClrMapping/>
   </p:clrMapOvr>
+  <mc:AlternateContent xmlns:mc="http://schemas.openxmlformats.org/markup-compatibility/2006" xmlns:p14="http://schemas.microsoft.com/office/powerpoint/2010/main">
+    <mc:Choice Requires="p14">
+      <p:transition spd="slow" p14:dur="2000" advTm="12678"/>
+    </mc:Choice>
+    <mc:Fallback xmlns="">
+      <p:transition spd="slow" advTm="12678"/>
+    </mc:Fallback>
+  </mc:AlternateContent>
+  <p:timing>
+    <p:tnLst>
+      <p:par>
+        <p:cTn id="1" dur="indefinite" restart="never" nodeType="tmRoot">
+          <p:childTnLst>
+            <p:seq concurrent="1" nextAc="seek">
+              <p:cTn id="2" dur="indefinite" nodeType="mainSeq">
+                <p:childTnLst>
+                  <p:par>
+                    <p:cTn id="3" fill="hold">
+                      <p:stCondLst>
+                        <p:cond delay="indefinite"/>
+                        <p:cond evt="onBegin" delay="0">
+                          <p:tn val="2"/>
+                        </p:cond>
+                      </p:stCondLst>
+                      <p:childTnLst>
+                        <p:par>
+                          <p:cTn id="4" fill="hold">
+                            <p:stCondLst>
+                              <p:cond delay="0"/>
+                            </p:stCondLst>
+                            <p:childTnLst>
+                              <p:par>
+                                <p:cTn id="5" presetID="1" presetClass="mediacall" presetSubtype="0" fill="hold" nodeType="afterEffect">
+                                  <p:stCondLst>
+                                    <p:cond delay="0"/>
+                                  </p:stCondLst>
+                                  <p:childTnLst>
+                                    <p:cmd type="call" cmd="playFrom(0.0)">
+                                      <p:cBhvr>
+                                        <p:cTn id="6" dur="1" fill="hold"/>
+                                        <p:tgtEl>
+                                          <p:spTgt spid="7"/>
+                                        </p:tgtEl>
+                                      </p:cBhvr>
+                                    </p:cmd>
+                                  </p:childTnLst>
+                                </p:cTn>
+                              </p:par>
+                            </p:childTnLst>
+                          </p:cTn>
+                        </p:par>
+                      </p:childTnLst>
+                    </p:cTn>
+                  </p:par>
+                </p:childTnLst>
+              </p:cTn>
+              <p:prevCondLst>
+                <p:cond evt="onPrev" delay="0">
+                  <p:tgtEl>
+                    <p:sldTgt/>
+                  </p:tgtEl>
+                </p:cond>
+              </p:prevCondLst>
+              <p:nextCondLst>
+                <p:cond evt="onNext" delay="0">
+                  <p:tgtEl>
+                    <p:sldTgt/>
+                  </p:tgtEl>
+                </p:cond>
+              </p:nextCondLst>
+            </p:seq>
+            <p:audio isNarration="1">
+              <p:cMediaNode vol="80000" showWhenStopped="0">
+                <p:cTn id="7" fill="hold" display="0">
+                  <p:stCondLst>
+                    <p:cond delay="indefinite"/>
+                  </p:stCondLst>
+                  <p:endCondLst>
+                    <p:cond evt="onStopAudio" delay="0">
+                      <p:tgtEl>
+                        <p:sldTgt/>
+                      </p:tgtEl>
+                    </p:cond>
+                  </p:endCondLst>
+                </p:cTn>
+                <p:tgtEl>
+                  <p:spTgt spid="7"/>
+                </p:tgtEl>
+              </p:cMediaNode>
+            </p:audio>
+          </p:childTnLst>
+        </p:cTn>
+      </p:par>
+    </p:tnLst>
+  </p:timing>
 </p:sld>
 </file>
 
@@ -5925,7 +7146,7 @@
           <p:nvPr/>
         </p:nvPicPr>
         <p:blipFill>
-          <a:blip r:embed="rId2">
+          <a:blip r:embed="rId5">
             <a:extLst>
               <a:ext uri="{28A0092B-C50C-407E-A947-70E740481C1C}">
                 <a14:useLocalDpi xmlns:a14="http://schemas.microsoft.com/office/drawing/2010/main" val="0"/>
@@ -6177,6 +7398,45 @@
           </a:p>
         </p:txBody>
       </p:sp>
+      <p:pic>
+        <p:nvPicPr>
+          <p:cNvPr id="6" name="오디오 5">
+            <a:hlinkClick r:id="" action="ppaction://media"/>
+            <a:extLst>
+              <a:ext uri="{FF2B5EF4-FFF2-40B4-BE49-F238E27FC236}">
+                <a16:creationId xmlns:a16="http://schemas.microsoft.com/office/drawing/2014/main" id="{C71B49F3-535A-DD84-31BA-8790500EE4A4}"/>
+              </a:ext>
+            </a:extLst>
+          </p:cNvPr>
+          <p:cNvPicPr>
+            <a:picLocks noChangeAspect="1"/>
+          </p:cNvPicPr>
+          <p:nvPr>
+            <a:audioFile r:link="rId2"/>
+            <p:extLst>
+              <p:ext uri="{DAA4B4D4-6D71-4841-9C94-3DE7FCFB9230}">
+                <p14:media xmlns:p14="http://schemas.microsoft.com/office/powerpoint/2010/main" r:embed="rId1"/>
+              </p:ext>
+            </p:extLst>
+          </p:nvPr>
+        </p:nvPicPr>
+        <p:blipFill>
+          <a:blip r:embed="rId6"/>
+          <a:srcRect l="-203125" t="-203125" r="-203125" b="-203125"/>
+          <a:stretch>
+            <a:fillRect/>
+          </a:stretch>
+        </p:blipFill>
+        <p:spPr>
+          <a:xfrm>
+            <a:off x="10052304" y="4718304"/>
+            <a:ext cx="2057400" cy="2057400"/>
+          </a:xfrm>
+          <a:prstGeom prst="ellipse">
+            <a:avLst/>
+          </a:prstGeom>
+        </p:spPr>
+      </p:pic>
     </p:spTree>
     <p:extLst>
       <p:ext uri="{BB962C8B-B14F-4D97-AF65-F5344CB8AC3E}">
@@ -6187,6 +7447,101 @@
   <p:clrMapOvr>
     <a:masterClrMapping/>
   </p:clrMapOvr>
+  <mc:AlternateContent xmlns:mc="http://schemas.openxmlformats.org/markup-compatibility/2006" xmlns:p14="http://schemas.microsoft.com/office/powerpoint/2010/main">
+    <mc:Choice Requires="p14">
+      <p:transition spd="slow" p14:dur="2000" advTm="25326"/>
+    </mc:Choice>
+    <mc:Fallback xmlns="">
+      <p:transition spd="slow" advTm="25326"/>
+    </mc:Fallback>
+  </mc:AlternateContent>
+  <p:timing>
+    <p:tnLst>
+      <p:par>
+        <p:cTn id="1" dur="indefinite" restart="never" nodeType="tmRoot">
+          <p:childTnLst>
+            <p:seq concurrent="1" nextAc="seek">
+              <p:cTn id="2" dur="indefinite" nodeType="mainSeq">
+                <p:childTnLst>
+                  <p:par>
+                    <p:cTn id="3" fill="hold">
+                      <p:stCondLst>
+                        <p:cond delay="indefinite"/>
+                        <p:cond evt="onBegin" delay="0">
+                          <p:tn val="2"/>
+                        </p:cond>
+                      </p:stCondLst>
+                      <p:childTnLst>
+                        <p:par>
+                          <p:cTn id="4" fill="hold">
+                            <p:stCondLst>
+                              <p:cond delay="0"/>
+                            </p:stCondLst>
+                            <p:childTnLst>
+                              <p:par>
+                                <p:cTn id="5" presetID="1" presetClass="mediacall" presetSubtype="0" fill="hold" nodeType="afterEffect">
+                                  <p:stCondLst>
+                                    <p:cond delay="0"/>
+                                  </p:stCondLst>
+                                  <p:childTnLst>
+                                    <p:cmd type="call" cmd="playFrom(0.0)">
+                                      <p:cBhvr>
+                                        <p:cTn id="6" dur="1" fill="hold"/>
+                                        <p:tgtEl>
+                                          <p:spTgt spid="6"/>
+                                        </p:tgtEl>
+                                      </p:cBhvr>
+                                    </p:cmd>
+                                  </p:childTnLst>
+                                </p:cTn>
+                              </p:par>
+                            </p:childTnLst>
+                          </p:cTn>
+                        </p:par>
+                      </p:childTnLst>
+                    </p:cTn>
+                  </p:par>
+                </p:childTnLst>
+              </p:cTn>
+              <p:prevCondLst>
+                <p:cond evt="onPrev" delay="0">
+                  <p:tgtEl>
+                    <p:sldTgt/>
+                  </p:tgtEl>
+                </p:cond>
+              </p:prevCondLst>
+              <p:nextCondLst>
+                <p:cond evt="onNext" delay="0">
+                  <p:tgtEl>
+                    <p:sldTgt/>
+                  </p:tgtEl>
+                </p:cond>
+              </p:nextCondLst>
+            </p:seq>
+            <p:audio isNarration="1">
+              <p:cMediaNode vol="80000" showWhenStopped="0">
+                <p:cTn id="7" fill="hold" display="0">
+                  <p:stCondLst>
+                    <p:cond delay="indefinite"/>
+                  </p:stCondLst>
+                  <p:endCondLst>
+                    <p:cond evt="onStopAudio" delay="0">
+                      <p:tgtEl>
+                        <p:sldTgt/>
+                      </p:tgtEl>
+                    </p:cond>
+                  </p:endCondLst>
+                </p:cTn>
+                <p:tgtEl>
+                  <p:spTgt spid="6"/>
+                </p:tgtEl>
+              </p:cMediaNode>
+            </p:audio>
+          </p:childTnLst>
+        </p:cTn>
+      </p:par>
+    </p:tnLst>
+  </p:timing>
 </p:sld>
 </file>
 
@@ -6841,6 +8196,45 @@
           </a:graphicData>
         </a:graphic>
       </p:graphicFrame>
+      <p:pic>
+        <p:nvPicPr>
+          <p:cNvPr id="3" name="오디오 2">
+            <a:hlinkClick r:id="" action="ppaction://media"/>
+            <a:extLst>
+              <a:ext uri="{FF2B5EF4-FFF2-40B4-BE49-F238E27FC236}">
+                <a16:creationId xmlns:a16="http://schemas.microsoft.com/office/drawing/2014/main" id="{7EEED4C8-ECA1-FEAA-C03B-DA5F9092C130}"/>
+              </a:ext>
+            </a:extLst>
+          </p:cNvPr>
+          <p:cNvPicPr>
+            <a:picLocks noChangeAspect="1"/>
+          </p:cNvPicPr>
+          <p:nvPr>
+            <a:audioFile r:link="rId2"/>
+            <p:extLst>
+              <p:ext uri="{DAA4B4D4-6D71-4841-9C94-3DE7FCFB9230}">
+                <p14:media xmlns:p14="http://schemas.microsoft.com/office/powerpoint/2010/main" r:embed="rId1"/>
+              </p:ext>
+            </p:extLst>
+          </p:nvPr>
+        </p:nvPicPr>
+        <p:blipFill>
+          <a:blip r:embed="rId5"/>
+          <a:srcRect l="-203125" t="-203125" r="-203125" b="-203125"/>
+          <a:stretch>
+            <a:fillRect/>
+          </a:stretch>
+        </p:blipFill>
+        <p:spPr>
+          <a:xfrm>
+            <a:off x="10052304" y="4718304"/>
+            <a:ext cx="2057400" cy="2057400"/>
+          </a:xfrm>
+          <a:prstGeom prst="ellipse">
+            <a:avLst/>
+          </a:prstGeom>
+        </p:spPr>
+      </p:pic>
     </p:spTree>
     <p:extLst>
       <p:ext uri="{BB962C8B-B14F-4D97-AF65-F5344CB8AC3E}">
@@ -6851,6 +8245,101 @@
   <p:clrMapOvr>
     <a:masterClrMapping/>
   </p:clrMapOvr>
+  <mc:AlternateContent xmlns:mc="http://schemas.openxmlformats.org/markup-compatibility/2006" xmlns:p14="http://schemas.microsoft.com/office/powerpoint/2010/main">
+    <mc:Choice Requires="p14">
+      <p:transition spd="slow" p14:dur="2000" advTm="5717"/>
+    </mc:Choice>
+    <mc:Fallback xmlns="">
+      <p:transition spd="slow" advTm="5717"/>
+    </mc:Fallback>
+  </mc:AlternateContent>
+  <p:timing>
+    <p:tnLst>
+      <p:par>
+        <p:cTn id="1" dur="indefinite" restart="never" nodeType="tmRoot">
+          <p:childTnLst>
+            <p:seq concurrent="1" nextAc="seek">
+              <p:cTn id="2" dur="indefinite" nodeType="mainSeq">
+                <p:childTnLst>
+                  <p:par>
+                    <p:cTn id="3" fill="hold">
+                      <p:stCondLst>
+                        <p:cond delay="indefinite"/>
+                        <p:cond evt="onBegin" delay="0">
+                          <p:tn val="2"/>
+                        </p:cond>
+                      </p:stCondLst>
+                      <p:childTnLst>
+                        <p:par>
+                          <p:cTn id="4" fill="hold">
+                            <p:stCondLst>
+                              <p:cond delay="0"/>
+                            </p:stCondLst>
+                            <p:childTnLst>
+                              <p:par>
+                                <p:cTn id="5" presetID="1" presetClass="mediacall" presetSubtype="0" fill="hold" nodeType="afterEffect">
+                                  <p:stCondLst>
+                                    <p:cond delay="0"/>
+                                  </p:stCondLst>
+                                  <p:childTnLst>
+                                    <p:cmd type="call" cmd="playFrom(0.0)">
+                                      <p:cBhvr>
+                                        <p:cTn id="6" dur="1" fill="hold"/>
+                                        <p:tgtEl>
+                                          <p:spTgt spid="3"/>
+                                        </p:tgtEl>
+                                      </p:cBhvr>
+                                    </p:cmd>
+                                  </p:childTnLst>
+                                </p:cTn>
+                              </p:par>
+                            </p:childTnLst>
+                          </p:cTn>
+                        </p:par>
+                      </p:childTnLst>
+                    </p:cTn>
+                  </p:par>
+                </p:childTnLst>
+              </p:cTn>
+              <p:prevCondLst>
+                <p:cond evt="onPrev" delay="0">
+                  <p:tgtEl>
+                    <p:sldTgt/>
+                  </p:tgtEl>
+                </p:cond>
+              </p:prevCondLst>
+              <p:nextCondLst>
+                <p:cond evt="onNext" delay="0">
+                  <p:tgtEl>
+                    <p:sldTgt/>
+                  </p:tgtEl>
+                </p:cond>
+              </p:nextCondLst>
+            </p:seq>
+            <p:audio isNarration="1">
+              <p:cMediaNode vol="80000" showWhenStopped="0">
+                <p:cTn id="7" fill="hold" display="0">
+                  <p:stCondLst>
+                    <p:cond delay="indefinite"/>
+                  </p:stCondLst>
+                  <p:endCondLst>
+                    <p:cond evt="onStopAudio" delay="0">
+                      <p:tgtEl>
+                        <p:sldTgt/>
+                      </p:tgtEl>
+                    </p:cond>
+                  </p:endCondLst>
+                </p:cTn>
+                <p:tgtEl>
+                  <p:spTgt spid="3"/>
+                </p:tgtEl>
+              </p:cMediaNode>
+            </p:audio>
+          </p:childTnLst>
+        </p:cTn>
+      </p:par>
+    </p:tnLst>
+  </p:timing>
 </p:sld>
 </file>
 
@@ -6924,7 +8413,7 @@
         <p:spPr>
           <a:xfrm>
             <a:off x="0" y="818147"/>
-            <a:ext cx="12192000" cy="2862322"/>
+            <a:ext cx="12192000" cy="1938992"/>
           </a:xfrm>
           <a:prstGeom prst="rect">
             <a:avLst/>
@@ -7095,33 +8584,53 @@
                 <a:latin typeface="나눔고딕" panose="020D0604000000000000" pitchFamily="50" charset="-127"/>
                 <a:ea typeface="나눔고딕" panose="020D0604000000000000" pitchFamily="50" charset="-127"/>
               </a:rPr>
-              <a:t> 똑같음</a:t>
+              <a:t> 똑같음 </a:t>
+            </a:r>
+            <a:r>
+              <a:rPr lang="en-US" altLang="ko-KR" sz="2000" dirty="0">
+                <a:latin typeface="나눔고딕" panose="020D0604000000000000" pitchFamily="50" charset="-127"/>
+                <a:ea typeface="나눔고딕" panose="020D0604000000000000" pitchFamily="50" charset="-127"/>
+                <a:hlinkClick r:id="rId2"/>
+              </a:rPr>
+              <a:t>https://www.guidedog.co.kr/kor/petculture/agility.do</a:t>
             </a:r>
             <a:endParaRPr lang="en-US" altLang="ko-KR" sz="2000" dirty="0">
               <a:latin typeface="나눔고딕" panose="020D0604000000000000" pitchFamily="50" charset="-127"/>
               <a:ea typeface="나눔고딕" panose="020D0604000000000000" pitchFamily="50" charset="-127"/>
             </a:endParaRPr>
           </a:p>
-          <a:p>
-            <a:endParaRPr lang="en-US" altLang="ko-KR" sz="2000" dirty="0">
-              <a:latin typeface="나눔고딕" panose="020D0604000000000000" pitchFamily="50" charset="-127"/>
-              <a:ea typeface="나눔고딕" panose="020D0604000000000000" pitchFamily="50" charset="-127"/>
-            </a:endParaRPr>
-          </a:p>
-          <a:p>
-            <a:endParaRPr lang="en-US" altLang="ko-KR" sz="2000" dirty="0">
-              <a:latin typeface="나눔고딕" panose="020D0604000000000000" pitchFamily="50" charset="-127"/>
-              <a:ea typeface="나눔고딕" panose="020D0604000000000000" pitchFamily="50" charset="-127"/>
-            </a:endParaRPr>
-          </a:p>
-          <a:p>
-            <a:endParaRPr lang="en-US" altLang="ko-KR" sz="2000" dirty="0">
-              <a:latin typeface="나눔고딕" panose="020D0604000000000000" pitchFamily="50" charset="-127"/>
-              <a:ea typeface="나눔고딕" panose="020D0604000000000000" pitchFamily="50" charset="-127"/>
-            </a:endParaRPr>
-          </a:p>
-        </p:txBody>
-      </p:sp>
+        </p:txBody>
+      </p:sp>
+      <p:pic>
+        <p:nvPicPr>
+          <p:cNvPr id="3" name="그림 2">
+            <a:extLst>
+              <a:ext uri="{FF2B5EF4-FFF2-40B4-BE49-F238E27FC236}">
+                <a16:creationId xmlns:a16="http://schemas.microsoft.com/office/drawing/2014/main" id="{52A0986F-3BD2-D56E-290D-C586DBF755EA}"/>
+              </a:ext>
+            </a:extLst>
+          </p:cNvPr>
+          <p:cNvPicPr>
+            <a:picLocks noChangeAspect="1"/>
+          </p:cNvPicPr>
+          <p:nvPr/>
+        </p:nvPicPr>
+        <p:blipFill>
+          <a:blip r:embed="rId3"/>
+          <a:stretch>
+            <a:fillRect/>
+          </a:stretch>
+        </p:blipFill>
+        <p:spPr>
+          <a:xfrm>
+            <a:off x="0" y="2921465"/>
+            <a:ext cx="5312558" cy="3936535"/>
+          </a:xfrm>
+          <a:prstGeom prst="rect">
+            <a:avLst/>
+          </a:prstGeom>
+        </p:spPr>
+      </p:pic>
     </p:spTree>
     <p:extLst>
       <p:ext uri="{BB962C8B-B14F-4D97-AF65-F5344CB8AC3E}">
